--- a/lectures/1/Introduction to Marketing Research.pptx
+++ b/lectures/1/Introduction to Marketing Research.pptx
@@ -7538,7 +7538,7 @@
   <dgm:whole/>
   <dgm:extLst>
     <a:ext uri="http://schemas.microsoft.com/office/drawing/2008/diagram">
-      <dsp:dataModelExt xmlns:dsp="http://schemas.microsoft.com/office/drawing/2008/diagram" relId="rId6" minVer="http://schemas.openxmlformats.org/drawingml/2006/diagram"/>
+      <dsp:dataModelExt xmlns:dsp="http://schemas.microsoft.com/office/drawing/2008/diagram" relId="rId7" minVer="http://schemas.openxmlformats.org/drawingml/2006/diagram"/>
     </a:ext>
   </dgm:extLst>
 </dgm:dataModel>
@@ -18219,7 +18219,7 @@
           <a:p>
             <a:fld id="{73B2889B-A0AC-4482-8592-5C96F2309420}" type="datetimeFigureOut">
               <a:rPr lang="en-US" smtClean="0"/>
-              <a:t>5/31/2021</a:t>
+              <a:t>6/3/2021</a:t>
             </a:fld>
             <a:endParaRPr lang="en-US"/>
           </a:p>
@@ -18396,7 +18396,7 @@
           <a:p>
             <a:fld id="{830EB223-FFC0-462A-A3B8-EAA7CE0F8CBD}" type="datetimeFigureOut">
               <a:rPr lang="en-US" smtClean="0"/>
-              <a:t>5/31/2021</a:t>
+              <a:t>6/3/2021</a:t>
             </a:fld>
             <a:endParaRPr lang="en-US" dirty="0"/>
           </a:p>
@@ -18877,6 +18877,154 @@
           <a:p>
             <a:r>
               <a:rPr lang="en-US" dirty="0"/>
+              <a:t>What percentage of our target market remembers our brand name? </a:t>
+            </a:r>
+          </a:p>
+          <a:p>
+            <a:r>
+              <a:rPr lang="en-US" dirty="0"/>
+              <a:t>Should we advertise more in local print or broadcast media? </a:t>
+            </a:r>
+          </a:p>
+          <a:p>
+            <a:r>
+              <a:rPr lang="en-US" dirty="0"/>
+              <a:t>Which of two advertising campaigns produces greater ad recall? </a:t>
+            </a:r>
+          </a:p>
+          <a:p>
+            <a:r>
+              <a:rPr lang="en-US" dirty="0"/>
+              <a:t>Doc consumers think our price is too high relative too the competition? </a:t>
+            </a:r>
+          </a:p>
+          <a:p>
+            <a:r>
+              <a:rPr lang="en-US" dirty="0"/>
+              <a:t>Are there more efficient channels of distribution for our products? </a:t>
+            </a:r>
+            <a:br>
+              <a:rPr lang="en-US" dirty="0"/>
+            </a:br>
+            <a:r>
+              <a:rPr lang="en-US" dirty="0"/>
+              <a:t>Which brand name projects the image we want for our product? </a:t>
+            </a:r>
+          </a:p>
+          <a:p>
+            <a:r>
+              <a:rPr lang="en-US" dirty="0"/>
+              <a:t>What kinds of firms use our services? </a:t>
+            </a:r>
+          </a:p>
+          <a:p>
+            <a:r>
+              <a:rPr lang="en-US" dirty="0"/>
+              <a:t>What is the most effective trade promotion program? </a:t>
+            </a:r>
+          </a:p>
+          <a:p>
+            <a:r>
+              <a:rPr lang="en-US" dirty="0"/>
+              <a:t>What is our reputation with government regulatory agencies? </a:t>
+            </a:r>
+          </a:p>
+          <a:p>
+            <a:r>
+              <a:rPr lang="en-US" dirty="0"/>
+              <a:t>What is our reputation with government regulatory agencies? </a:t>
+            </a:r>
+          </a:p>
+          <a:p>
+            <a:endParaRPr lang="en-US" dirty="0"/>
+          </a:p>
+          <a:p>
+            <a:endParaRPr lang="en-US" dirty="0"/>
+          </a:p>
+        </p:txBody>
+      </p:sp>
+      <p:sp>
+        <p:nvSpPr>
+          <p:cNvPr id="4" name="Slide Number Placeholder 3"/>
+          <p:cNvSpPr>
+            <a:spLocks noGrp="1"/>
+          </p:cNvSpPr>
+          <p:nvPr>
+            <p:ph type="sldNum" sz="quarter" idx="5"/>
+          </p:nvPr>
+        </p:nvSpPr>
+        <p:spPr/>
+        <p:txBody>
+          <a:bodyPr/>
+          <a:lstStyle/>
+          <a:p>
+            <a:fld id="{BC849E9A-41F7-4779-A581-48A7C374A227}" type="slidenum">
+              <a:rPr lang="en-US" smtClean="0"/>
+              <a:t>15</a:t>
+            </a:fld>
+            <a:endParaRPr lang="en-US" dirty="0"/>
+          </a:p>
+        </p:txBody>
+      </p:sp>
+    </p:spTree>
+    <p:extLst>
+      <p:ext uri="{BB962C8B-B14F-4D97-AF65-F5344CB8AC3E}">
+        <p14:creationId xmlns:p14="http://schemas.microsoft.com/office/powerpoint/2010/main" val="1942344217"/>
+      </p:ext>
+    </p:extLst>
+  </p:cSld>
+  <p:clrMapOvr>
+    <a:masterClrMapping/>
+  </p:clrMapOvr>
+</p:notes>
+</file>
+
+<file path=ppt/notesSlides/notesSlide11.xml><?xml version="1.0" encoding="utf-8"?>
+<p:notes xmlns:a="http://schemas.openxmlformats.org/drawingml/2006/main" xmlns:r="http://schemas.openxmlformats.org/officeDocument/2006/relationships" xmlns:p="http://schemas.openxmlformats.org/presentationml/2006/main">
+  <p:cSld>
+    <p:spTree>
+      <p:nvGrpSpPr>
+        <p:cNvPr id="1" name=""/>
+        <p:cNvGrpSpPr/>
+        <p:nvPr/>
+      </p:nvGrpSpPr>
+      <p:grpSpPr>
+        <a:xfrm>
+          <a:off x="0" y="0"/>
+          <a:ext cx="0" cy="0"/>
+          <a:chOff x="0" y="0"/>
+          <a:chExt cx="0" cy="0"/>
+        </a:xfrm>
+      </p:grpSpPr>
+      <p:sp>
+        <p:nvSpPr>
+          <p:cNvPr id="2" name="Slide Image Placeholder 1"/>
+          <p:cNvSpPr>
+            <a:spLocks noGrp="1" noRot="1" noChangeAspect="1"/>
+          </p:cNvSpPr>
+          <p:nvPr>
+            <p:ph type="sldImg"/>
+          </p:nvPr>
+        </p:nvSpPr>
+        <p:spPr/>
+      </p:sp>
+      <p:sp>
+        <p:nvSpPr>
+          <p:cNvPr id="3" name="Notes Placeholder 2"/>
+          <p:cNvSpPr>
+            <a:spLocks noGrp="1"/>
+          </p:cNvSpPr>
+          <p:nvPr>
+            <p:ph type="body" idx="1"/>
+          </p:nvPr>
+        </p:nvSpPr>
+        <p:spPr/>
+        <p:txBody>
+          <a:bodyPr/>
+          <a:lstStyle/>
+          <a:p>
+            <a:r>
+              <a:rPr lang="en-US" dirty="0"/>
               <a:t>By third party agency for the consumers</a:t>
             </a:r>
           </a:p>
@@ -18921,7 +19069,7 @@
 </p:notes>
 </file>
 
-<file path=ppt/notesSlides/notesSlide11.xml><?xml version="1.0" encoding="utf-8"?>
+<file path=ppt/notesSlides/notesSlide12.xml><?xml version="1.0" encoding="utf-8"?>
 <p:notes xmlns:a="http://schemas.openxmlformats.org/drawingml/2006/main" xmlns:r="http://schemas.openxmlformats.org/officeDocument/2006/relationships" xmlns:p="http://schemas.openxmlformats.org/presentationml/2006/main">
   <p:cSld>
     <p:spTree>
@@ -20087,7 +20235,7 @@
           <a:p>
             <a:fld id="{8309642E-A968-44B8-ACE3-90EBEDDD398D}" type="datetime1">
               <a:rPr lang="en-US" smtClean="0"/>
-              <a:t>5/31/2021</a:t>
+              <a:t>6/3/2021</a:t>
             </a:fld>
             <a:endParaRPr lang="en-US" dirty="0"/>
           </a:p>
@@ -20289,7 +20437,7 @@
           <a:p>
             <a:fld id="{2C88C5C9-6B9B-4CFA-979A-ECC03C5FF465}" type="datetime1">
               <a:rPr lang="en-US" smtClean="0"/>
-              <a:t>5/31/2021</a:t>
+              <a:t>6/3/2021</a:t>
             </a:fld>
             <a:endParaRPr lang="en-US" dirty="0"/>
           </a:p>
@@ -20501,7 +20649,7 @@
           <a:p>
             <a:fld id="{DC44DC0C-FBF5-4717-92E2-F4E5E6FE63C5}" type="datetime1">
               <a:rPr lang="en-US" smtClean="0"/>
-              <a:t>5/31/2021</a:t>
+              <a:t>6/3/2021</a:t>
             </a:fld>
             <a:endParaRPr lang="en-US" dirty="0"/>
           </a:p>
@@ -20703,7 +20851,7 @@
           <a:p>
             <a:fld id="{F7396869-A527-4DDE-A87F-2FAD93591CD6}" type="datetime1">
               <a:rPr lang="en-US" smtClean="0"/>
-              <a:t>5/31/2021</a:t>
+              <a:t>6/3/2021</a:t>
             </a:fld>
             <a:endParaRPr lang="en-US" dirty="0"/>
           </a:p>
@@ -20982,7 +21130,7 @@
           <a:p>
             <a:fld id="{E0B9E5B0-5213-4A85-8072-65B30E4AAA7C}" type="datetime1">
               <a:rPr lang="en-US" smtClean="0"/>
-              <a:t>5/31/2021</a:t>
+              <a:t>6/3/2021</a:t>
             </a:fld>
             <a:endParaRPr lang="en-US" dirty="0"/>
           </a:p>
@@ -21251,7 +21399,7 @@
           <a:p>
             <a:fld id="{1E1C311C-4227-43C8-B657-7AFFBA651C5D}" type="datetime1">
               <a:rPr lang="en-US" smtClean="0"/>
-              <a:t>5/31/2021</a:t>
+              <a:t>6/3/2021</a:t>
             </a:fld>
             <a:endParaRPr lang="en-US" dirty="0"/>
           </a:p>
@@ -21667,7 +21815,7 @@
           <a:p>
             <a:fld id="{4892BA78-636B-4087-93C1-12DC82F8BA9E}" type="datetime1">
               <a:rPr lang="en-US" smtClean="0"/>
-              <a:t>5/31/2021</a:t>
+              <a:t>6/3/2021</a:t>
             </a:fld>
             <a:endParaRPr lang="en-US" dirty="0"/>
           </a:p>
@@ -21812,7 +21960,7 @@
           <a:p>
             <a:fld id="{62127D47-33AC-4EB8-88BF-73A09525E3C6}" type="datetime1">
               <a:rPr lang="en-US" smtClean="0"/>
-              <a:t>5/31/2021</a:t>
+              <a:t>6/3/2021</a:t>
             </a:fld>
             <a:endParaRPr lang="en-US" dirty="0"/>
           </a:p>
@@ -21929,7 +22077,7 @@
           <a:p>
             <a:fld id="{F67EABE3-FF1B-4439-8181-10F3B1916892}" type="datetime1">
               <a:rPr lang="en-US" smtClean="0"/>
-              <a:t>5/31/2021</a:t>
+              <a:t>6/3/2021</a:t>
             </a:fld>
             <a:endParaRPr lang="en-US" dirty="0"/>
           </a:p>
@@ -22244,7 +22392,7 @@
           <a:p>
             <a:fld id="{E100E4BB-DE2B-43F9-8988-838425CC0DCC}" type="datetime1">
               <a:rPr lang="en-US" smtClean="0"/>
-              <a:t>5/31/2021</a:t>
+              <a:t>6/3/2021</a:t>
             </a:fld>
             <a:endParaRPr lang="en-US" dirty="0"/>
           </a:p>
@@ -22540,7 +22688,7 @@
           <a:p>
             <a:fld id="{F0231CB1-42AC-4A7B-8114-59E8BE22884B}" type="datetime1">
               <a:rPr lang="en-US" smtClean="0"/>
-              <a:t>5/31/2021</a:t>
+              <a:t>6/3/2021</a:t>
             </a:fld>
             <a:endParaRPr lang="en-US" dirty="0"/>
           </a:p>
@@ -22785,7 +22933,7 @@
           <a:p>
             <a:fld id="{840AEFE5-39FE-49F0-BD01-3399A6CA78BB}" type="datetime1">
               <a:rPr lang="en-US" smtClean="0"/>
-              <a:t>5/31/2021</a:t>
+              <a:t>6/3/2021</a:t>
             </a:fld>
             <a:endParaRPr lang="en-US" dirty="0"/>
           </a:p>
@@ -28653,7 +28801,7 @@
         </p:xfrm>
         <a:graphic>
           <a:graphicData uri="http://schemas.openxmlformats.org/drawingml/2006/diagram">
-            <dgm:relIds xmlns:dgm="http://schemas.openxmlformats.org/drawingml/2006/diagram" xmlns:r="http://schemas.openxmlformats.org/officeDocument/2006/relationships" r:dm="rId2" r:lo="rId3" r:qs="rId4" r:cs="rId5"/>
+            <dgm:relIds xmlns:dgm="http://schemas.openxmlformats.org/drawingml/2006/diagram" xmlns:r="http://schemas.openxmlformats.org/officeDocument/2006/relationships" r:dm="rId3" r:lo="rId4" r:qs="rId5" r:cs="rId6"/>
           </a:graphicData>
         </a:graphic>
       </p:graphicFrame>
@@ -35338,23 +35486,6 @@
 </file>
 
 <file path=customXml/item1.xml><?xml version="1.0" encoding="utf-8"?>
-<?mso-contentType ?>
-<FormTemplates xmlns="http://schemas.microsoft.com/sharepoint/v3/contenttype/forms">
-  <Display>DocumentLibraryForm</Display>
-  <Edit>DocumentLibraryForm</Edit>
-  <New>DocumentLibraryForm</New>
-</FormTemplates>
-</file>
-
-<file path=customXml/item2.xml><?xml version="1.0" encoding="utf-8"?>
-<p:properties xmlns:p="http://schemas.microsoft.com/office/2006/metadata/properties" xmlns:xsi="http://www.w3.org/2001/XMLSchema-instance" xmlns:pc="http://schemas.microsoft.com/office/infopath/2007/PartnerControls">
-  <documentManagement>
-    <MediaServiceKeyPoints xmlns="71af3243-3dd4-4a8d-8c0d-dd76da1f02a5" xsi:nil="true"/>
-  </documentManagement>
-</p:properties>
-</file>
-
-<file path=customXml/item3.xml><?xml version="1.0" encoding="utf-8"?>
 <ct:contentTypeSchema xmlns:ct="http://schemas.microsoft.com/office/2006/metadata/contentType" xmlns:ma="http://schemas.microsoft.com/office/2006/metadata/properties/metaAttributes" ct:_="" ma:_="" ma:contentTypeName="Document" ma:contentTypeID="0x01010079F111ED35F8CC479449609E8A0923A6" ma:contentTypeVersion="11" ma:contentTypeDescription="Create a new document." ma:contentTypeScope="" ma:versionID="96291512c1ee715ab617f4c07df79fc1">
   <xsd:schema xmlns:xsd="http://www.w3.org/2001/XMLSchema" xmlns:xs="http://www.w3.org/2001/XMLSchema" xmlns:p="http://schemas.microsoft.com/office/2006/metadata/properties" xmlns:ns2="71af3243-3dd4-4a8d-8c0d-dd76da1f02a5" xmlns:ns3="16c05727-aa75-4e4a-9b5f-8a80a1165891" targetNamespace="http://schemas.microsoft.com/office/2006/metadata/properties" ma:root="true" ma:fieldsID="8256c27c40ca5c40ce1cf6c44f0205df" ns2:_="" ns3:_="">
     <xsd:import namespace="71af3243-3dd4-4a8d-8c0d-dd76da1f02a5"/>
@@ -35565,25 +35696,24 @@
 </ct:contentTypeSchema>
 </file>
 
-<file path=customXml/itemProps1.xml><?xml version="1.0" encoding="utf-8"?>
-<ds:datastoreItem xmlns:ds="http://schemas.openxmlformats.org/officeDocument/2006/customXml" ds:itemID="{5CA875DA-F9FD-4F83-A049-3B1027B542DE}">
-  <ds:schemaRefs>
-    <ds:schemaRef ds:uri="http://schemas.microsoft.com/sharepoint/v3/contenttype/forms"/>
-  </ds:schemaRefs>
-</ds:datastoreItem>
+<file path=customXml/item2.xml><?xml version="1.0" encoding="utf-8"?>
+<p:properties xmlns:p="http://schemas.microsoft.com/office/2006/metadata/properties" xmlns:xsi="http://www.w3.org/2001/XMLSchema-instance" xmlns:pc="http://schemas.microsoft.com/office/infopath/2007/PartnerControls">
+  <documentManagement>
+    <MediaServiceKeyPoints xmlns="71af3243-3dd4-4a8d-8c0d-dd76da1f02a5" xsi:nil="true"/>
+  </documentManagement>
+</p:properties>
 </file>
 
-<file path=customXml/itemProps2.xml><?xml version="1.0" encoding="utf-8"?>
-<ds:datastoreItem xmlns:ds="http://schemas.openxmlformats.org/officeDocument/2006/customXml" ds:itemID="{03C7D9E6-B0D9-433E-BD46-EB60F64F4DA8}">
-  <ds:schemaRefs>
-    <ds:schemaRef ds:uri="http://schemas.microsoft.com/office/2006/metadata/properties"/>
-    <ds:schemaRef ds:uri="http://schemas.microsoft.com/office/infopath/2007/PartnerControls"/>
-    <ds:schemaRef ds:uri="71af3243-3dd4-4a8d-8c0d-dd76da1f02a5"/>
-  </ds:schemaRefs>
-</ds:datastoreItem>
+<file path=customXml/item3.xml><?xml version="1.0" encoding="utf-8"?>
+<?mso-contentType ?>
+<FormTemplates xmlns="http://schemas.microsoft.com/sharepoint/v3/contenttype/forms">
+  <Display>DocumentLibraryForm</Display>
+  <Edit>DocumentLibraryForm</Edit>
+  <New>DocumentLibraryForm</New>
+</FormTemplates>
 </file>
 
-<file path=customXml/itemProps3.xml><?xml version="1.0" encoding="utf-8"?>
+<file path=customXml/itemProps1.xml><?xml version="1.0" encoding="utf-8"?>
 <ds:datastoreItem xmlns:ds="http://schemas.openxmlformats.org/officeDocument/2006/customXml" ds:itemID="{B2AB02E3-5ADF-4BF0-9C1B-35CDF3FE95B0}">
   <ds:schemaRefs>
     <ds:schemaRef ds:uri="http://schemas.microsoft.com/office/2006/metadata/contentType"/>
@@ -35600,4 +35730,22 @@
     <ds:schemaRef ds:uri="http://schemas.microsoft.com/internal/obd"/>
   </ds:schemaRefs>
 </ds:datastoreItem>
+</file>
+
+<file path=customXml/itemProps2.xml><?xml version="1.0" encoding="utf-8"?>
+<ds:datastoreItem xmlns:ds="http://schemas.openxmlformats.org/officeDocument/2006/customXml" ds:itemID="{03C7D9E6-B0D9-433E-BD46-EB60F64F4DA8}">
+  <ds:schemaRefs>
+    <ds:schemaRef ds:uri="http://schemas.microsoft.com/office/2006/metadata/properties"/>
+    <ds:schemaRef ds:uri="http://schemas.microsoft.com/office/infopath/2007/PartnerControls"/>
+    <ds:schemaRef ds:uri="71af3243-3dd4-4a8d-8c0d-dd76da1f02a5"/>
+  </ds:schemaRefs>
+</ds:datastoreItem>
+</file>
+
+<file path=customXml/itemProps3.xml><?xml version="1.0" encoding="utf-8"?>
+<ds:datastoreItem xmlns:ds="http://schemas.openxmlformats.org/officeDocument/2006/customXml" ds:itemID="{5CA875DA-F9FD-4F83-A049-3B1027B542DE}">
+  <ds:schemaRefs>
+    <ds:schemaRef ds:uri="http://schemas.microsoft.com/sharepoint/v3/contenttype/forms"/>
+  </ds:schemaRefs>
+</ds:datastoreItem>
 </file>